--- a/Slides/1_4_2018_Intro.pptx
+++ b/Slides/1_4_2018_Intro.pptx
@@ -3203,11 +3203,7 @@
             </a:r>
             <a:r>
               <a:rPr lang="en-US" dirty="0" smtClean="0"/>
-              <a:t> </a:t>
-            </a:r>
-            <a:r>
-              <a:rPr lang="en-US" dirty="0" smtClean="0"/>
-              <a:t>and </a:t>
+              <a:t> and </a:t>
             </a:r>
             <a:r>
               <a:rPr lang="en-US" b="1" i="1" dirty="0" smtClean="0"/>
@@ -3669,13 +3665,8 @@
             </a:pPr>
             <a:r>
               <a:rPr lang="en-US" dirty="0" smtClean="0"/>
-              <a:t>(* Discussion is a BIG part of this </a:t>
-            </a:r>
-            <a:r>
-              <a:rPr lang="en-US" dirty="0" smtClean="0"/>
-              <a:t>class!)</a:t>
-            </a:r>
-            <a:endParaRPr lang="en-US" dirty="0" smtClean="0"/>
+              <a:t>(* Discussion is a BIG part of this class!)</a:t>
+            </a:r>
           </a:p>
           <a:p>
             <a:pPr marL="0" indent="0">
@@ -3848,13 +3839,7 @@
               <a:rPr lang="en-US" dirty="0" smtClean="0">
                 <a:hlinkClick r:id="rId2"/>
               </a:rPr>
-              <a:t>https://</a:t>
-            </a:r>
-            <a:r>
-              <a:rPr lang="en-US" dirty="0" smtClean="0">
-                <a:hlinkClick r:id="rId2"/>
-              </a:rPr>
-              <a:t>github.com/lynetteshaw/cscs-530-wi2018</a:t>
+              <a:t>https://github.com/lynetteshaw/cscs-530-wi2018</a:t>
             </a:r>
             <a:endParaRPr lang="en-US" dirty="0" smtClean="0"/>
           </a:p>
@@ -4273,27 +4258,7 @@
           <a:p>
             <a:r>
               <a:rPr lang="en-US" sz="1400" i="1" dirty="0" smtClean="0"/>
-              <a:t>Time </a:t>
-            </a:r>
-            <a:r>
-              <a:rPr lang="en-US" sz="1400" i="1" dirty="0" smtClean="0"/>
-              <a:t>spent on coding may seem a bit remedial, but you will have lots of </a:t>
-            </a:r>
-            <a:r>
-              <a:rPr lang="en-US" sz="1400" i="1" dirty="0" smtClean="0"/>
-              <a:t>opportunities </a:t>
-            </a:r>
-            <a:r>
-              <a:rPr lang="en-US" sz="1400" i="1" dirty="0" smtClean="0"/>
-              <a:t>to get into </a:t>
-            </a:r>
-            <a:r>
-              <a:rPr lang="en-US" sz="1400" i="1" dirty="0" smtClean="0"/>
-              <a:t>deeper </a:t>
-            </a:r>
-            <a:r>
-              <a:rPr lang="en-US" sz="1400" i="1" dirty="0" smtClean="0"/>
-              <a:t>levels of modeling</a:t>
+              <a:t>Time spent on coding may seem a bit remedial, but you will have lots of opportunities to get into deeper levels of modeling</a:t>
             </a:r>
             <a:endParaRPr lang="en-US" sz="1400" i="1" dirty="0"/>
           </a:p>
@@ -4840,15 +4805,7 @@
             </a:pPr>
             <a:r>
               <a:rPr lang="en-US" sz="3600" dirty="0" smtClean="0"/>
-              <a:t>Bringing a </a:t>
-            </a:r>
-            <a:r>
-              <a:rPr lang="en-US" sz="3600" dirty="0" smtClean="0"/>
-              <a:t>l</a:t>
-            </a:r>
-            <a:r>
-              <a:rPr lang="en-US" sz="3600" dirty="0" smtClean="0"/>
-              <a:t>aptop* </a:t>
+              <a:t>Bringing a laptop* </a:t>
             </a:r>
             <a:r>
               <a:rPr lang="en-US" sz="3600" b="1" dirty="0" smtClean="0">
@@ -5041,11 +4998,7 @@
             </a:r>
             <a:r>
               <a:rPr lang="en-US" b="1" i="1" dirty="0" smtClean="0"/>
-              <a:t> </a:t>
-            </a:r>
-            <a:r>
-              <a:rPr lang="en-US" b="1" i="1" dirty="0" smtClean="0"/>
-              <a:t> </a:t>
+              <a:t>  </a:t>
             </a:r>
           </a:p>
           <a:p>
@@ -5346,19 +5299,14 @@
               <a:rPr lang="en-US" b="1" dirty="0" smtClean="0"/>
               <a:t>Do </a:t>
             </a:r>
-            <a:endParaRPr lang="en-US" b="1" dirty="0" smtClean="0"/>
-          </a:p>
-          <a:p>
-            <a:pPr marL="0" indent="0">
-              <a:buNone/>
-            </a:pPr>
-            <a:r>
-              <a:rPr lang="en-US" dirty="0" smtClean="0"/>
-              <a:t>- </a:t>
-            </a:r>
-            <a:r>
-              <a:rPr lang="en-US" dirty="0" smtClean="0"/>
-              <a:t>Download and Install </a:t>
+          </a:p>
+          <a:p>
+            <a:pPr marL="0" indent="0">
+              <a:buNone/>
+            </a:pPr>
+            <a:r>
+              <a:rPr lang="en-US" dirty="0" smtClean="0"/>
+              <a:t>- Download and Install </a:t>
             </a:r>
             <a:r>
               <a:rPr lang="en-US" dirty="0" err="1" smtClean="0"/>
@@ -5623,11 +5571,7 @@
             </a:pPr>
             <a:r>
               <a:rPr lang="en-US" b="1" dirty="0" smtClean="0"/>
-              <a:t>First </a:t>
-            </a:r>
-            <a:r>
-              <a:rPr lang="en-US" b="1" dirty="0" smtClean="0"/>
-              <a:t>Day of Class Survey</a:t>
+              <a:t>First Day of Class Survey</a:t>
             </a:r>
           </a:p>
           <a:p>
@@ -5737,11 +5681,7 @@
             </a:r>
             <a:r>
               <a:rPr lang="en-US" dirty="0" smtClean="0"/>
-              <a:t>719 Weiser </a:t>
-            </a:r>
-            <a:r>
-              <a:rPr lang="en-US" dirty="0" smtClean="0"/>
-              <a:t>Hall</a:t>
+              <a:t>719 Weiser Hall</a:t>
             </a:r>
           </a:p>
           <a:p>
@@ -5750,21 +5690,20 @@
             </a:pPr>
             <a:r>
               <a:rPr lang="en-US" b="1" dirty="0" smtClean="0"/>
-              <a:t>Office Hours: </a:t>
-            </a:r>
-            <a:r>
-              <a:rPr lang="en-US" dirty="0" smtClean="0"/>
-              <a:t>1</a:t>
-            </a:r>
-            <a:r>
-              <a:rPr lang="en-US" dirty="0" smtClean="0"/>
-              <a:t>-3pm </a:t>
+              <a:t>Office Hours</a:t>
+            </a:r>
+            <a:r>
+              <a:rPr lang="en-US" b="1" smtClean="0"/>
+              <a:t>: </a:t>
+            </a:r>
+            <a:r>
+              <a:rPr lang="en-US" smtClean="0"/>
+              <a:t>10am-12pm </a:t>
             </a:r>
             <a:r>
               <a:rPr lang="en-US" dirty="0" smtClean="0"/>
               <a:t>Weds. </a:t>
             </a:r>
-            <a:endParaRPr lang="en-US" dirty="0" smtClean="0"/>
           </a:p>
           <a:p>
             <a:pPr marL="0" indent="0">
@@ -5787,15 +5726,7 @@
             </a:pPr>
             <a:r>
               <a:rPr lang="en-US" dirty="0" smtClean="0"/>
-              <a:t>Culture and Cognition</a:t>
-            </a:r>
-            <a:r>
-              <a:rPr lang="en-US" dirty="0" smtClean="0"/>
-              <a:t>, Social Construction, </a:t>
-            </a:r>
-            <a:r>
-              <a:rPr lang="en-US" dirty="0" smtClean="0"/>
-              <a:t>Economic Sociology, Valuation Processes, Social Theory</a:t>
+              <a:t>Culture and Cognition, Social Construction, Economic Sociology, Valuation Processes, Social Theory</a:t>
             </a:r>
             <a:endParaRPr lang="en-US" b="1" dirty="0"/>
           </a:p>
@@ -7901,11 +7832,7 @@
             </a:r>
             <a:r>
               <a:rPr lang="en-US" b="1" i="1" u="sng" dirty="0" smtClean="0"/>
-              <a:t>will </a:t>
-            </a:r>
-            <a:r>
-              <a:rPr lang="en-US" b="1" i="1" u="sng" dirty="0" smtClean="0"/>
-              <a:t>not</a:t>
+              <a:t>will not</a:t>
             </a:r>
             <a:r>
               <a:rPr lang="en-US" b="1" i="1" dirty="0" smtClean="0"/>
